--- a/Bellabeat GDA .pptx
+++ b/Bellabeat GDA .pptx
@@ -16,8 +16,8 @@
     <p:sldId id="260" r:id="rId10"/>
     <p:sldId id="265" r:id="rId11"/>
     <p:sldId id="267" r:id="rId12"/>
-    <p:sldId id="266" r:id="rId13"/>
-    <p:sldId id="269" r:id="rId14"/>
+    <p:sldId id="270" r:id="rId13"/>
+    <p:sldId id="271" r:id="rId14"/>
     <p:sldId id="268" r:id="rId15"/>
   </p:sldIdLst>
   <p:sldSz cx="12192000" cy="6858000"/>
@@ -319,7 +319,7 @@
           <a:p>
             <a:fld id="{EED1C14C-A143-42F5-B247-D0E800131009}" type="datetimeFigureOut">
               <a:rPr lang="en-US" smtClean="0"/>
-              <a:t>4/13/2022</a:t>
+              <a:t>4/23/2022</a:t>
             </a:fld>
             <a:endParaRPr lang="en-US"/>
           </a:p>
@@ -489,7 +489,7 @@
           <a:p>
             <a:fld id="{EED1C14C-A143-42F5-B247-D0E800131009}" type="datetimeFigureOut">
               <a:rPr lang="en-US" smtClean="0"/>
-              <a:t>4/13/2022</a:t>
+              <a:t>4/23/2022</a:t>
             </a:fld>
             <a:endParaRPr lang="en-US"/>
           </a:p>
@@ -710,7 +710,7 @@
           <a:p>
             <a:fld id="{EED1C14C-A143-42F5-B247-D0E800131009}" type="datetimeFigureOut">
               <a:rPr lang="en-US" smtClean="0"/>
-              <a:t>4/13/2022</a:t>
+              <a:t>4/23/2022</a:t>
             </a:fld>
             <a:endParaRPr lang="en-US"/>
           </a:p>
@@ -921,7 +921,7 @@
           <a:p>
             <a:fld id="{EED1C14C-A143-42F5-B247-D0E800131009}" type="datetimeFigureOut">
               <a:rPr lang="en-US" smtClean="0"/>
-              <a:t>4/13/2022</a:t>
+              <a:t>4/23/2022</a:t>
             </a:fld>
             <a:endParaRPr lang="en-US"/>
           </a:p>
@@ -1216,7 +1216,7 @@
           <a:p>
             <a:fld id="{EED1C14C-A143-42F5-B247-D0E800131009}" type="datetimeFigureOut">
               <a:rPr lang="en-US" smtClean="0"/>
-              <a:t>4/13/2022</a:t>
+              <a:t>4/23/2022</a:t>
             </a:fld>
             <a:endParaRPr lang="en-US"/>
           </a:p>
@@ -1545,7 +1545,7 @@
           <a:p>
             <a:fld id="{EED1C14C-A143-42F5-B247-D0E800131009}" type="datetimeFigureOut">
               <a:rPr lang="en-US" smtClean="0"/>
-              <a:t>4/13/2022</a:t>
+              <a:t>4/23/2022</a:t>
             </a:fld>
             <a:endParaRPr lang="en-US"/>
           </a:p>
@@ -2037,7 +2037,7 @@
           <a:p>
             <a:fld id="{EED1C14C-A143-42F5-B247-D0E800131009}" type="datetimeFigureOut">
               <a:rPr lang="en-US" smtClean="0"/>
-              <a:t>4/13/2022</a:t>
+              <a:t>4/23/2022</a:t>
             </a:fld>
             <a:endParaRPr lang="en-US"/>
           </a:p>
@@ -2196,7 +2196,7 @@
           <a:p>
             <a:fld id="{EED1C14C-A143-42F5-B247-D0E800131009}" type="datetimeFigureOut">
               <a:rPr lang="en-US" smtClean="0"/>
-              <a:t>4/13/2022</a:t>
+              <a:t>4/23/2022</a:t>
             </a:fld>
             <a:endParaRPr lang="en-US"/>
           </a:p>
@@ -2332,7 +2332,7 @@
           <a:p>
             <a:fld id="{EED1C14C-A143-42F5-B247-D0E800131009}" type="datetimeFigureOut">
               <a:rPr lang="en-US" smtClean="0"/>
-              <a:t>4/13/2022</a:t>
+              <a:t>4/23/2022</a:t>
             </a:fld>
             <a:endParaRPr lang="en-US"/>
           </a:p>
@@ -2660,7 +2660,7 @@
           <a:p>
             <a:fld id="{EED1C14C-A143-42F5-B247-D0E800131009}" type="datetimeFigureOut">
               <a:rPr lang="en-US" smtClean="0"/>
-              <a:t>4/13/2022</a:t>
+              <a:t>4/23/2022</a:t>
             </a:fld>
             <a:endParaRPr lang="en-US"/>
           </a:p>
@@ -2975,7 +2975,7 @@
           <a:p>
             <a:fld id="{EED1C14C-A143-42F5-B247-D0E800131009}" type="datetimeFigureOut">
               <a:rPr lang="en-US" smtClean="0"/>
-              <a:t>4/13/2022</a:t>
+              <a:t>4/23/2022</a:t>
             </a:fld>
             <a:endParaRPr lang="en-US"/>
           </a:p>
@@ -3227,7 +3227,7 @@
           <a:p>
             <a:fld id="{EED1C14C-A143-42F5-B247-D0E800131009}" type="datetimeFigureOut">
               <a:rPr lang="en-US" smtClean="0"/>
-              <a:t>4/13/2022</a:t>
+              <a:t>4/23/2022</a:t>
             </a:fld>
             <a:endParaRPr lang="en-US"/>
           </a:p>
@@ -4013,13 +4013,13 @@
         </p:nvSpPr>
         <p:spPr>
           <a:xfrm>
-            <a:off x="1249680" y="285992"/>
-            <a:ext cx="9692640" cy="829189"/>
+            <a:off x="1261872" y="334396"/>
+            <a:ext cx="9957036" cy="1395315"/>
           </a:xfrm>
         </p:spPr>
         <p:txBody>
           <a:bodyPr>
-            <a:normAutofit fontScale="90000"/>
+            <a:noAutofit/>
           </a:bodyPr>
           <a:lstStyle/>
           <a:p>
@@ -4087,7 +4087,7 @@
         </p:nvSpPr>
         <p:spPr>
           <a:xfrm>
-            <a:off x="1342986" y="1258398"/>
+            <a:off x="1342986" y="1892085"/>
             <a:ext cx="8595360" cy="2924974"/>
           </a:xfrm>
           <a:prstGeom prst="rect">
@@ -4464,13 +4464,13 @@
         </p:nvSpPr>
         <p:spPr>
           <a:xfrm>
-            <a:off x="1249680" y="195942"/>
-            <a:ext cx="9692640" cy="829189"/>
+            <a:off x="1261872" y="334396"/>
+            <a:ext cx="9957036" cy="1395315"/>
           </a:xfrm>
         </p:spPr>
         <p:txBody>
           <a:bodyPr>
-            <a:normAutofit fontScale="90000"/>
+            <a:noAutofit/>
           </a:bodyPr>
           <a:lstStyle/>
           <a:p>
@@ -4487,10 +4487,47 @@
       </p:sp>
       <p:sp>
         <p:nvSpPr>
-          <p:cNvPr id="4" name="Content Placeholder 2">
+          <p:cNvPr id="3" name="Content Placeholder 2">
             <a:extLst>
               <a:ext uri="{FF2B5EF4-FFF2-40B4-BE49-F238E27FC236}">
-                <a16:creationId xmlns:a16="http://schemas.microsoft.com/office/drawing/2014/main" id="{4CEC87B4-22E3-4DA4-AD1A-3DF5ADDD9817}"/>
+                <a16:creationId xmlns:a16="http://schemas.microsoft.com/office/drawing/2014/main" id="{D6323A2F-C5ED-4C20-B473-3FCEA17844F7}"/>
+              </a:ext>
+            </a:extLst>
+          </p:cNvPr>
+          <p:cNvSpPr>
+            <a:spLocks noGrp="1"/>
+          </p:cNvSpPr>
+          <p:nvPr>
+            <p:ph idx="1"/>
+          </p:nvPr>
+        </p:nvSpPr>
+        <p:spPr>
+          <a:xfrm>
+            <a:off x="1261872" y="2440116"/>
+            <a:ext cx="8595360" cy="3948082"/>
+          </a:xfrm>
+        </p:spPr>
+        <p:txBody>
+          <a:bodyPr>
+            <a:normAutofit/>
+          </a:bodyPr>
+          <a:lstStyle/>
+          <a:p>
+            <a:pPr lvl="1"/>
+            <a:endParaRPr lang="en-US" dirty="0"/>
+          </a:p>
+          <a:p>
+            <a:pPr lvl="1"/>
+            <a:endParaRPr lang="en-US" dirty="0"/>
+          </a:p>
+        </p:txBody>
+      </p:sp>
+      <p:sp>
+        <p:nvSpPr>
+          <p:cNvPr id="5" name="Content Placeholder 2">
+            <a:extLst>
+              <a:ext uri="{FF2B5EF4-FFF2-40B4-BE49-F238E27FC236}">
+                <a16:creationId xmlns:a16="http://schemas.microsoft.com/office/drawing/2014/main" id="{A35C4A62-0362-E01A-792F-22D83EE1474A}"/>
               </a:ext>
             </a:extLst>
           </p:cNvPr>
@@ -4501,7 +4538,7 @@
         </p:nvSpPr>
         <p:spPr>
           <a:xfrm>
-            <a:off x="1261872" y="1236481"/>
+            <a:off x="1368197" y="1900114"/>
             <a:ext cx="8595360" cy="2887650"/>
           </a:xfrm>
           <a:prstGeom prst="rect">
@@ -4816,7 +4853,7 @@
     </p:spTree>
     <p:extLst>
       <p:ext uri="{BB962C8B-B14F-4D97-AF65-F5344CB8AC3E}">
-        <p14:creationId xmlns:p14="http://schemas.microsoft.com/office/powerpoint/2010/main" val="1801723880"/>
+        <p14:creationId xmlns:p14="http://schemas.microsoft.com/office/powerpoint/2010/main" val="2687104362"/>
       </p:ext>
     </p:extLst>
   </p:cSld>
@@ -4861,13 +4898,13 @@
         </p:nvSpPr>
         <p:spPr>
           <a:xfrm>
-            <a:off x="1249680" y="195942"/>
-            <a:ext cx="9692640" cy="829189"/>
+            <a:off x="1261872" y="334396"/>
+            <a:ext cx="9957036" cy="1395315"/>
           </a:xfrm>
         </p:spPr>
         <p:txBody>
           <a:bodyPr>
-            <a:normAutofit fontScale="90000"/>
+            <a:noAutofit/>
           </a:bodyPr>
           <a:lstStyle/>
           <a:p>
@@ -4884,10 +4921,47 @@
       </p:sp>
       <p:sp>
         <p:nvSpPr>
-          <p:cNvPr id="4" name="Content Placeholder 2">
+          <p:cNvPr id="3" name="Content Placeholder 2">
             <a:extLst>
               <a:ext uri="{FF2B5EF4-FFF2-40B4-BE49-F238E27FC236}">
-                <a16:creationId xmlns:a16="http://schemas.microsoft.com/office/drawing/2014/main" id="{4CEC87B4-22E3-4DA4-AD1A-3DF5ADDD9817}"/>
+                <a16:creationId xmlns:a16="http://schemas.microsoft.com/office/drawing/2014/main" id="{D6323A2F-C5ED-4C20-B473-3FCEA17844F7}"/>
+              </a:ext>
+            </a:extLst>
+          </p:cNvPr>
+          <p:cNvSpPr>
+            <a:spLocks noGrp="1"/>
+          </p:cNvSpPr>
+          <p:nvPr>
+            <p:ph idx="1"/>
+          </p:nvPr>
+        </p:nvSpPr>
+        <p:spPr>
+          <a:xfrm>
+            <a:off x="1261872" y="2440116"/>
+            <a:ext cx="8595360" cy="3948082"/>
+          </a:xfrm>
+        </p:spPr>
+        <p:txBody>
+          <a:bodyPr>
+            <a:normAutofit/>
+          </a:bodyPr>
+          <a:lstStyle/>
+          <a:p>
+            <a:pPr lvl="1"/>
+            <a:endParaRPr lang="en-US" dirty="0"/>
+          </a:p>
+          <a:p>
+            <a:pPr lvl="1"/>
+            <a:endParaRPr lang="en-US" dirty="0"/>
+          </a:p>
+        </p:txBody>
+      </p:sp>
+      <p:sp>
+        <p:nvSpPr>
+          <p:cNvPr id="6" name="Content Placeholder 2">
+            <a:extLst>
+              <a:ext uri="{FF2B5EF4-FFF2-40B4-BE49-F238E27FC236}">
+                <a16:creationId xmlns:a16="http://schemas.microsoft.com/office/drawing/2014/main" id="{0FE93DBF-E0C7-419F-6A51-3EEFFB26F10B}"/>
               </a:ext>
             </a:extLst>
           </p:cNvPr>
@@ -4898,7 +4972,7 @@
         </p:nvSpPr>
         <p:spPr>
           <a:xfrm>
-            <a:off x="1261872" y="1236481"/>
+            <a:off x="1378830" y="1959495"/>
             <a:ext cx="8595360" cy="2192520"/>
           </a:xfrm>
           <a:prstGeom prst="rect">
@@ -5198,7 +5272,7 @@
     </p:spTree>
     <p:extLst>
       <p:ext uri="{BB962C8B-B14F-4D97-AF65-F5344CB8AC3E}">
-        <p14:creationId xmlns:p14="http://schemas.microsoft.com/office/powerpoint/2010/main" val="937060352"/>
+        <p14:creationId xmlns:p14="http://schemas.microsoft.com/office/powerpoint/2010/main" val="1847870080"/>
       </p:ext>
     </p:extLst>
   </p:cSld>
@@ -5276,7 +5350,7 @@
         </p:nvSpPr>
         <p:spPr>
           <a:xfrm>
-            <a:off x="1261872" y="1115181"/>
+            <a:off x="1368198" y="1200241"/>
             <a:ext cx="8595360" cy="2924974"/>
           </a:xfrm>
           <a:prstGeom prst="rect">
@@ -5561,7 +5635,7 @@
             </a:r>
             <a:r>
               <a:rPr lang="en-US" dirty="0"/>
-              <a:t> products</a:t>
+              <a:t> products </a:t>
             </a:r>
           </a:p>
           <a:p>
@@ -5647,7 +5721,7 @@
         </p:nvSpPr>
         <p:spPr>
           <a:xfrm>
-            <a:off x="1261872" y="3097762"/>
+            <a:off x="1261872" y="2238105"/>
             <a:ext cx="9692640" cy="842237"/>
           </a:xfrm>
         </p:spPr>
@@ -5680,7 +5754,7 @@
         </p:nvSpPr>
         <p:spPr>
           <a:xfrm>
-            <a:off x="1261872" y="4198776"/>
+            <a:off x="1261872" y="3311408"/>
             <a:ext cx="8595360" cy="1981361"/>
           </a:xfrm>
         </p:spPr>
@@ -5747,8 +5821,8 @@
         </p:nvSpPr>
         <p:spPr>
           <a:xfrm>
-            <a:off x="1261872" y="294198"/>
-            <a:ext cx="9692640" cy="1397124"/>
+            <a:off x="1261872" y="174120"/>
+            <a:ext cx="9692640" cy="842238"/>
           </a:xfrm>
           <a:prstGeom prst="rect">
             <a:avLst/>
@@ -5802,7 +5876,7 @@
         </p:nvSpPr>
         <p:spPr>
           <a:xfrm>
-            <a:off x="1261872" y="1691322"/>
+            <a:off x="1261872" y="1117164"/>
             <a:ext cx="8595360" cy="690465"/>
           </a:xfrm>
           <a:prstGeom prst="rect">
@@ -6877,8 +6951,8 @@
         </p:nvSpPr>
         <p:spPr>
           <a:xfrm>
-            <a:off x="1261872" y="438692"/>
-            <a:ext cx="9692640" cy="944873"/>
+            <a:off x="1261872" y="233265"/>
+            <a:ext cx="9692640" cy="756244"/>
           </a:xfrm>
         </p:spPr>
         <p:txBody>
@@ -6910,7 +6984,7 @@
         </p:nvSpPr>
         <p:spPr>
           <a:xfrm>
-            <a:off x="1261872" y="1579750"/>
+            <a:off x="1261872" y="1069388"/>
             <a:ext cx="8595360" cy="5044985"/>
           </a:xfrm>
         </p:spPr>
@@ -7061,7 +7135,7 @@
         </p:nvSpPr>
         <p:spPr>
           <a:xfrm>
-            <a:off x="1047268" y="139959"/>
+            <a:off x="1249680" y="150592"/>
             <a:ext cx="9692640" cy="866512"/>
           </a:xfrm>
         </p:spPr>
@@ -7094,7 +7168,7 @@
         </p:nvSpPr>
         <p:spPr>
           <a:xfrm>
-            <a:off x="1121913" y="1311111"/>
+            <a:off x="1249680" y="1098460"/>
             <a:ext cx="8595360" cy="3680766"/>
           </a:xfrm>
         </p:spPr>
@@ -7173,12 +7247,82 @@
           <a:chExt cx="0" cy="0"/>
         </a:xfrm>
       </p:grpSpPr>
+      <p:sp>
+        <p:nvSpPr>
+          <p:cNvPr id="2" name="TextBox 1">
+            <a:extLst>
+              <a:ext uri="{FF2B5EF4-FFF2-40B4-BE49-F238E27FC236}">
+                <a16:creationId xmlns:a16="http://schemas.microsoft.com/office/drawing/2014/main" id="{53E19D99-DF98-41C1-880D-C26EFA8F8E7A}"/>
+              </a:ext>
+            </a:extLst>
+          </p:cNvPr>
+          <p:cNvSpPr txBox="1"/>
+          <p:nvPr/>
+        </p:nvSpPr>
+        <p:spPr>
+          <a:xfrm>
+            <a:off x="513183" y="438539"/>
+            <a:ext cx="2043405" cy="2585323"/>
+          </a:xfrm>
+          <a:prstGeom prst="rect">
+            <a:avLst/>
+          </a:prstGeom>
+          <a:noFill/>
+        </p:spPr>
+        <p:txBody>
+          <a:bodyPr wrap="square" rtlCol="0">
+            <a:spAutoFit/>
+          </a:bodyPr>
+          <a:lstStyle/>
+          <a:p>
+            <a:r>
+              <a:rPr lang="en-US" dirty="0"/>
+              <a:t>Calculating for 31 entries from 33 participants, a complete data set would be expected to include 1,023 total entries for category.</a:t>
+            </a:r>
+          </a:p>
+        </p:txBody>
+      </p:sp>
+      <p:sp>
+        <p:nvSpPr>
+          <p:cNvPr id="4" name="TextBox 3">
+            <a:extLst>
+              <a:ext uri="{FF2B5EF4-FFF2-40B4-BE49-F238E27FC236}">
+                <a16:creationId xmlns:a16="http://schemas.microsoft.com/office/drawing/2014/main" id="{C7947EF4-9683-4BC9-BB55-1FF1B3102E49}"/>
+              </a:ext>
+            </a:extLst>
+          </p:cNvPr>
+          <p:cNvSpPr txBox="1"/>
+          <p:nvPr/>
+        </p:nvSpPr>
+        <p:spPr>
+          <a:xfrm>
+            <a:off x="513182" y="4194111"/>
+            <a:ext cx="1959429" cy="1754326"/>
+          </a:xfrm>
+          <a:prstGeom prst="rect">
+            <a:avLst/>
+          </a:prstGeom>
+          <a:noFill/>
+        </p:spPr>
+        <p:txBody>
+          <a:bodyPr wrap="square" rtlCol="0">
+            <a:spAutoFit/>
+          </a:bodyPr>
+          <a:lstStyle/>
+          <a:p>
+            <a:r>
+              <a:rPr lang="en-US" dirty="0"/>
+              <a:t>All participants had entries for Daily Activity, but not for Sleep or Weight tracking.</a:t>
+            </a:r>
+          </a:p>
+        </p:txBody>
+      </p:sp>
       <p:pic>
         <p:nvPicPr>
-          <p:cNvPr id="3" name="slide3" descr="Category_D">
+          <p:cNvPr id="6" name="Picture 5" descr="Graphical user interface, application&#10;&#10;Description automatically generated">
             <a:extLst>
               <a:ext uri="{FF2B5EF4-FFF2-40B4-BE49-F238E27FC236}">
-                <a16:creationId xmlns:a16="http://schemas.microsoft.com/office/drawing/2014/main" id="{7F75B6D0-0375-4EB7-B2F7-10FEBB2623BD}"/>
+                <a16:creationId xmlns:a16="http://schemas.microsoft.com/office/drawing/2014/main" id="{A17B37EA-DF43-C2FD-5E8B-D6B1A458D06B}"/>
               </a:ext>
             </a:extLst>
           </p:cNvPr>
@@ -7195,89 +7339,19 @@
               </a:ext>
             </a:extLst>
           </a:blip>
-          <a:srcRect b="37551"/>
+          <a:srcRect b="40465"/>
           <a:stretch/>
         </p:blipFill>
         <p:spPr>
           <a:xfrm>
-            <a:off x="2556588" y="256592"/>
-            <a:ext cx="9451844" cy="6344816"/>
+            <a:off x="2556588" y="308344"/>
+            <a:ext cx="9511365" cy="6241312"/>
           </a:xfrm>
           <a:prstGeom prst="rect">
             <a:avLst/>
           </a:prstGeom>
         </p:spPr>
       </p:pic>
-      <p:sp>
-        <p:nvSpPr>
-          <p:cNvPr id="2" name="TextBox 1">
-            <a:extLst>
-              <a:ext uri="{FF2B5EF4-FFF2-40B4-BE49-F238E27FC236}">
-                <a16:creationId xmlns:a16="http://schemas.microsoft.com/office/drawing/2014/main" id="{53E19D99-DF98-41C1-880D-C26EFA8F8E7A}"/>
-              </a:ext>
-            </a:extLst>
-          </p:cNvPr>
-          <p:cNvSpPr txBox="1"/>
-          <p:nvPr/>
-        </p:nvSpPr>
-        <p:spPr>
-          <a:xfrm>
-            <a:off x="513183" y="438539"/>
-            <a:ext cx="2043405" cy="2585323"/>
-          </a:xfrm>
-          <a:prstGeom prst="rect">
-            <a:avLst/>
-          </a:prstGeom>
-          <a:noFill/>
-        </p:spPr>
-        <p:txBody>
-          <a:bodyPr wrap="square" rtlCol="0">
-            <a:spAutoFit/>
-          </a:bodyPr>
-          <a:lstStyle/>
-          <a:p>
-            <a:r>
-              <a:rPr lang="en-US" dirty="0"/>
-              <a:t>Calculating for 31 entries from 33 participants, a complete data set would be expected to include 1,023 total entries for category.</a:t>
-            </a:r>
-          </a:p>
-        </p:txBody>
-      </p:sp>
-      <p:sp>
-        <p:nvSpPr>
-          <p:cNvPr id="4" name="TextBox 3">
-            <a:extLst>
-              <a:ext uri="{FF2B5EF4-FFF2-40B4-BE49-F238E27FC236}">
-                <a16:creationId xmlns:a16="http://schemas.microsoft.com/office/drawing/2014/main" id="{C7947EF4-9683-4BC9-BB55-1FF1B3102E49}"/>
-              </a:ext>
-            </a:extLst>
-          </p:cNvPr>
-          <p:cNvSpPr txBox="1"/>
-          <p:nvPr/>
-        </p:nvSpPr>
-        <p:spPr>
-          <a:xfrm>
-            <a:off x="513182" y="4194111"/>
-            <a:ext cx="1959429" cy="1754326"/>
-          </a:xfrm>
-          <a:prstGeom prst="rect">
-            <a:avLst/>
-          </a:prstGeom>
-          <a:noFill/>
-        </p:spPr>
-        <p:txBody>
-          <a:bodyPr wrap="square" rtlCol="0">
-            <a:spAutoFit/>
-          </a:bodyPr>
-          <a:lstStyle/>
-          <a:p>
-            <a:r>
-              <a:rPr lang="en-US" dirty="0"/>
-              <a:t>All participants had entries for Daily Activity, but not for Sleep or Weight tracking.</a:t>
-            </a:r>
-          </a:p>
-        </p:txBody>
-      </p:sp>
     </p:spTree>
     <p:extLst>
       <p:ext uri="{BB962C8B-B14F-4D97-AF65-F5344CB8AC3E}">
@@ -7354,10 +7428,10 @@
       </p:sp>
       <p:pic>
         <p:nvPicPr>
-          <p:cNvPr id="5" name="Picture 4" descr="Chart, pie chart&#10;&#10;Description automatically generated">
+          <p:cNvPr id="4" name="Picture 3" descr="Chart, pie chart&#10;&#10;Description automatically generated">
             <a:extLst>
               <a:ext uri="{FF2B5EF4-FFF2-40B4-BE49-F238E27FC236}">
-                <a16:creationId xmlns:a16="http://schemas.microsoft.com/office/drawing/2014/main" id="{1C3BB774-E629-4C19-B58B-BD259765B018}"/>
+                <a16:creationId xmlns:a16="http://schemas.microsoft.com/office/drawing/2014/main" id="{F86606F7-8F5F-87D3-F42B-B9C68689EEB6}"/>
               </a:ext>
             </a:extLst>
           </p:cNvPr>
@@ -7374,13 +7448,13 @@
               </a:ext>
             </a:extLst>
           </a:blip>
-          <a:srcRect l="8178" r="7635" b="10068"/>
+          <a:srcRect l="9410" r="9365" b="4341"/>
           <a:stretch/>
         </p:blipFill>
         <p:spPr>
           <a:xfrm>
-            <a:off x="3605224" y="0"/>
-            <a:ext cx="8026939" cy="6858000"/>
+            <a:off x="3681776" y="0"/>
+            <a:ext cx="7280753" cy="6858000"/>
           </a:xfrm>
           <a:prstGeom prst="rect">
             <a:avLst/>
@@ -7597,12 +7671,59 @@
           <a:chExt cx="0" cy="0"/>
         </a:xfrm>
       </p:grpSpPr>
+      <p:sp>
+        <p:nvSpPr>
+          <p:cNvPr id="3" name="TextBox 2">
+            <a:extLst>
+              <a:ext uri="{FF2B5EF4-FFF2-40B4-BE49-F238E27FC236}">
+                <a16:creationId xmlns:a16="http://schemas.microsoft.com/office/drawing/2014/main" id="{A06F22A8-9A63-4A06-BF06-0559892DED74}"/>
+              </a:ext>
+            </a:extLst>
+          </p:cNvPr>
+          <p:cNvSpPr txBox="1"/>
+          <p:nvPr/>
+        </p:nvSpPr>
+        <p:spPr>
+          <a:xfrm>
+            <a:off x="485192" y="1859339"/>
+            <a:ext cx="2114645" cy="3139321"/>
+          </a:xfrm>
+          <a:prstGeom prst="rect">
+            <a:avLst/>
+          </a:prstGeom>
+          <a:noFill/>
+        </p:spPr>
+        <p:txBody>
+          <a:bodyPr wrap="square" rtlCol="0">
+            <a:spAutoFit/>
+          </a:bodyPr>
+          <a:lstStyle/>
+          <a:p>
+            <a:r>
+              <a:rPr lang="en-US" dirty="0"/>
+              <a:t>Of the 8 participants who tracked weight, most were entering data manually.</a:t>
+            </a:r>
+          </a:p>
+          <a:p>
+            <a:endParaRPr lang="en-US" dirty="0"/>
+          </a:p>
+          <a:p>
+            <a:r>
+              <a:rPr lang="en-US" dirty="0"/>
+              <a:t>Data is extremely limited for this metric.</a:t>
+            </a:r>
+          </a:p>
+          <a:p>
+            <a:endParaRPr lang="en-US" dirty="0"/>
+          </a:p>
+        </p:txBody>
+      </p:sp>
       <p:pic>
         <p:nvPicPr>
-          <p:cNvPr id="5" name="slide5" descr="Weight_Tracking_Method_D">
+          <p:cNvPr id="7" name="Picture 6" descr="Chart, pie chart&#10;&#10;Description automatically generated">
             <a:extLst>
               <a:ext uri="{FF2B5EF4-FFF2-40B4-BE49-F238E27FC236}">
-                <a16:creationId xmlns:a16="http://schemas.microsoft.com/office/drawing/2014/main" id="{D411367D-FE60-4F58-AFF1-8BE889EE83E9}"/>
+                <a16:creationId xmlns:a16="http://schemas.microsoft.com/office/drawing/2014/main" id="{5CED6A5E-6556-3704-6449-17A40997D783}"/>
               </a:ext>
             </a:extLst>
           </p:cNvPr>
@@ -7619,66 +7740,19 @@
               </a:ext>
             </a:extLst>
           </a:blip>
-          <a:srcRect r="11080" b="10340"/>
+          <a:srcRect l="9476" r="8560" b="4806"/>
           <a:stretch/>
         </p:blipFill>
         <p:spPr>
           <a:xfrm>
-            <a:off x="2599837" y="0"/>
-            <a:ext cx="8503886" cy="6858000"/>
+            <a:off x="3572539" y="-2"/>
+            <a:ext cx="7382962" cy="6858001"/>
           </a:xfrm>
           <a:prstGeom prst="rect">
             <a:avLst/>
           </a:prstGeom>
         </p:spPr>
       </p:pic>
-      <p:sp>
-        <p:nvSpPr>
-          <p:cNvPr id="3" name="TextBox 2">
-            <a:extLst>
-              <a:ext uri="{FF2B5EF4-FFF2-40B4-BE49-F238E27FC236}">
-                <a16:creationId xmlns:a16="http://schemas.microsoft.com/office/drawing/2014/main" id="{A06F22A8-9A63-4A06-BF06-0559892DED74}"/>
-              </a:ext>
-            </a:extLst>
-          </p:cNvPr>
-          <p:cNvSpPr txBox="1"/>
-          <p:nvPr/>
-        </p:nvSpPr>
-        <p:spPr>
-          <a:xfrm>
-            <a:off x="485192" y="1859339"/>
-            <a:ext cx="2114645" cy="3139321"/>
-          </a:xfrm>
-          <a:prstGeom prst="rect">
-            <a:avLst/>
-          </a:prstGeom>
-          <a:noFill/>
-        </p:spPr>
-        <p:txBody>
-          <a:bodyPr wrap="square" rtlCol="0">
-            <a:spAutoFit/>
-          </a:bodyPr>
-          <a:lstStyle/>
-          <a:p>
-            <a:r>
-              <a:rPr lang="en-US" dirty="0"/>
-              <a:t>Of the 8 participants who tracked weight, most were entering data manually.</a:t>
-            </a:r>
-          </a:p>
-          <a:p>
-            <a:endParaRPr lang="en-US" dirty="0"/>
-          </a:p>
-          <a:p>
-            <a:r>
-              <a:rPr lang="en-US" dirty="0"/>
-              <a:t>Data is extremely limited for this metric.</a:t>
-            </a:r>
-          </a:p>
-          <a:p>
-            <a:endParaRPr lang="en-US" dirty="0"/>
-          </a:p>
-        </p:txBody>
-      </p:sp>
     </p:spTree>
     <p:extLst>
       <p:ext uri="{BB962C8B-B14F-4D97-AF65-F5344CB8AC3E}">
